--- a/Presentations/2_CPP_DLL.pptx
+++ b/Presentations/2_CPP_DLL.pptx
@@ -5,7 +5,7 @@
     <p:sldMasterId id="2147483648" r:id="rId1"/>
   </p:sldMasterIdLst>
   <p:notesMasterIdLst>
-    <p:notesMasterId r:id="rId13"/>
+    <p:notesMasterId r:id="rId14"/>
   </p:notesMasterIdLst>
   <p:sldIdLst>
     <p:sldId id="256" r:id="rId2"/>
@@ -18,7 +18,8 @@
     <p:sldId id="259" r:id="rId9"/>
     <p:sldId id="260" r:id="rId10"/>
     <p:sldId id="262" r:id="rId11"/>
-    <p:sldId id="264" r:id="rId12"/>
+    <p:sldId id="269" r:id="rId12"/>
+    <p:sldId id="264" r:id="rId13"/>
   </p:sldIdLst>
   <p:sldSz cx="12192000" cy="6858000"/>
   <p:notesSz cx="6858000" cy="9144000"/>
@@ -264,7 +265,7 @@
           <a:p>
             <a:fld id="{477EB860-629F-4075-AAE7-BB6DCDDAED9C}" type="datetimeFigureOut">
               <a:rPr lang="da-DK" smtClean="0"/>
-              <a:t>13-08-2020</a:t>
+              <a:t>17-08-2020</a:t>
             </a:fld>
             <a:endParaRPr lang="da-DK"/>
           </a:p>
@@ -936,7 +937,7 @@
           <a:p>
             <a:fld id="{E921C88C-E74F-4F83-8559-C2ED0921D0AE}" type="datetimeFigureOut">
               <a:rPr lang="da-DK" smtClean="0"/>
-              <a:t>13-08-2020</a:t>
+              <a:t>17-08-2020</a:t>
             </a:fld>
             <a:endParaRPr lang="da-DK"/>
           </a:p>
@@ -1134,7 +1135,7 @@
           <a:p>
             <a:fld id="{E921C88C-E74F-4F83-8559-C2ED0921D0AE}" type="datetimeFigureOut">
               <a:rPr lang="da-DK" smtClean="0"/>
-              <a:t>13-08-2020</a:t>
+              <a:t>17-08-2020</a:t>
             </a:fld>
             <a:endParaRPr lang="da-DK"/>
           </a:p>
@@ -1342,7 +1343,7 @@
           <a:p>
             <a:fld id="{E921C88C-E74F-4F83-8559-C2ED0921D0AE}" type="datetimeFigureOut">
               <a:rPr lang="da-DK" smtClean="0"/>
-              <a:t>13-08-2020</a:t>
+              <a:t>17-08-2020</a:t>
             </a:fld>
             <a:endParaRPr lang="da-DK"/>
           </a:p>
@@ -1540,7 +1541,7 @@
           <a:p>
             <a:fld id="{E921C88C-E74F-4F83-8559-C2ED0921D0AE}" type="datetimeFigureOut">
               <a:rPr lang="da-DK" smtClean="0"/>
-              <a:t>13-08-2020</a:t>
+              <a:t>17-08-2020</a:t>
             </a:fld>
             <a:endParaRPr lang="da-DK"/>
           </a:p>
@@ -1815,7 +1816,7 @@
           <a:p>
             <a:fld id="{E921C88C-E74F-4F83-8559-C2ED0921D0AE}" type="datetimeFigureOut">
               <a:rPr lang="da-DK" smtClean="0"/>
-              <a:t>13-08-2020</a:t>
+              <a:t>17-08-2020</a:t>
             </a:fld>
             <a:endParaRPr lang="da-DK"/>
           </a:p>
@@ -2080,7 +2081,7 @@
           <a:p>
             <a:fld id="{E921C88C-E74F-4F83-8559-C2ED0921D0AE}" type="datetimeFigureOut">
               <a:rPr lang="da-DK" smtClean="0"/>
-              <a:t>13-08-2020</a:t>
+              <a:t>17-08-2020</a:t>
             </a:fld>
             <a:endParaRPr lang="da-DK"/>
           </a:p>
@@ -2492,7 +2493,7 @@
           <a:p>
             <a:fld id="{E921C88C-E74F-4F83-8559-C2ED0921D0AE}" type="datetimeFigureOut">
               <a:rPr lang="da-DK" smtClean="0"/>
-              <a:t>13-08-2020</a:t>
+              <a:t>17-08-2020</a:t>
             </a:fld>
             <a:endParaRPr lang="da-DK"/>
           </a:p>
@@ -2633,7 +2634,7 @@
           <a:p>
             <a:fld id="{E921C88C-E74F-4F83-8559-C2ED0921D0AE}" type="datetimeFigureOut">
               <a:rPr lang="da-DK" smtClean="0"/>
-              <a:t>13-08-2020</a:t>
+              <a:t>17-08-2020</a:t>
             </a:fld>
             <a:endParaRPr lang="da-DK"/>
           </a:p>
@@ -2746,7 +2747,7 @@
           <a:p>
             <a:fld id="{E921C88C-E74F-4F83-8559-C2ED0921D0AE}" type="datetimeFigureOut">
               <a:rPr lang="da-DK" smtClean="0"/>
-              <a:t>13-08-2020</a:t>
+              <a:t>17-08-2020</a:t>
             </a:fld>
             <a:endParaRPr lang="da-DK"/>
           </a:p>
@@ -3057,7 +3058,7 @@
           <a:p>
             <a:fld id="{E921C88C-E74F-4F83-8559-C2ED0921D0AE}" type="datetimeFigureOut">
               <a:rPr lang="da-DK" smtClean="0"/>
-              <a:t>13-08-2020</a:t>
+              <a:t>17-08-2020</a:t>
             </a:fld>
             <a:endParaRPr lang="da-DK"/>
           </a:p>
@@ -3345,7 +3346,7 @@
           <a:p>
             <a:fld id="{E921C88C-E74F-4F83-8559-C2ED0921D0AE}" type="datetimeFigureOut">
               <a:rPr lang="da-DK" smtClean="0"/>
-              <a:t>13-08-2020</a:t>
+              <a:t>17-08-2020</a:t>
             </a:fld>
             <a:endParaRPr lang="da-DK"/>
           </a:p>
@@ -3586,7 +3587,7 @@
           <a:p>
             <a:fld id="{E921C88C-E74F-4F83-8559-C2ED0921D0AE}" type="datetimeFigureOut">
               <a:rPr lang="da-DK" smtClean="0"/>
-              <a:t>13-08-2020</a:t>
+              <a:t>17-08-2020</a:t>
             </a:fld>
             <a:endParaRPr lang="da-DK"/>
           </a:p>
@@ -4112,16 +4113,14 @@
         </p:spPr>
         <p:txBody>
           <a:bodyPr>
-            <a:normAutofit/>
+            <a:normAutofit lnSpcReduction="10000"/>
           </a:bodyPr>
           <a:lstStyle/>
           <a:p>
-            <a:pPr algn="l"/>
-            <a:r>
-              <a:rPr lang="da-DK" sz="1700" b="1" dirty="0"/>
-              <a:t>Redegør for ideerne bag komponentbaseret programudvikling, og tilhørende designprincipper.</a:t>
-            </a:r>
-            <a:endParaRPr lang="en-DK" sz="1700" b="1" dirty="0"/>
+            <a:r>
+              <a:rPr lang="da-DK" sz="1800" dirty="0"/>
+              <a:t>Redegør for ideerne bag komponentbaseret programudvikling og redegør for udvikling og brug af DLL-filer i C++ samt vis og forklar hvorledes man kan udvikle og anvende plugins i C++.</a:t>
+            </a:r>
           </a:p>
         </p:txBody>
       </p:sp>
@@ -5368,6 +5367,721 @@
 </file>
 
 <file path=ppt/slides/slide11.xml><?xml version="1.0" encoding="utf-8"?>
+<p:sld xmlns:a="http://schemas.openxmlformats.org/drawingml/2006/main" xmlns:r="http://schemas.openxmlformats.org/officeDocument/2006/relationships" xmlns:p="http://schemas.openxmlformats.org/presentationml/2006/main">
+  <p:cSld>
+    <p:bg>
+      <p:bgPr>
+        <a:solidFill>
+          <a:schemeClr val="bg1"/>
+        </a:solidFill>
+        <a:effectLst/>
+      </p:bgPr>
+    </p:bg>
+    <p:spTree>
+      <p:nvGrpSpPr>
+        <p:cNvPr id="1" name=""/>
+        <p:cNvGrpSpPr/>
+        <p:nvPr/>
+      </p:nvGrpSpPr>
+      <p:grpSpPr>
+        <a:xfrm>
+          <a:off x="0" y="0"/>
+          <a:ext cx="0" cy="0"/>
+          <a:chOff x="0" y="0"/>
+          <a:chExt cx="0" cy="0"/>
+        </a:xfrm>
+      </p:grpSpPr>
+      <p:sp>
+        <p:nvSpPr>
+          <p:cNvPr id="70" name="Freeform: Shape 69">
+            <a:extLst>
+              <a:ext uri="{FF2B5EF4-FFF2-40B4-BE49-F238E27FC236}">
+                <a16:creationId xmlns:a16="http://schemas.microsoft.com/office/drawing/2014/main" id="{F60FCA6E-0894-46CD-BD49-5955A51E0084}"/>
+              </a:ext>
+              <a:ext uri="{C183D7F6-B498-43B3-948B-1728B52AA6E4}">
+                <adec:decorative xmlns:adec="http://schemas.microsoft.com/office/drawing/2017/decorative" val="1"/>
+              </a:ext>
+            </a:extLst>
+          </p:cNvPr>
+          <p:cNvSpPr>
+            <a:spLocks noGrp="1" noRot="1" noChangeAspect="1" noMove="1" noResize="1" noEditPoints="1" noAdjustHandles="1" noChangeArrowheads="1" noChangeShapeType="1" noTextEdit="1"/>
+          </p:cNvSpPr>
+          <p:nvPr>
+            <p:extLst>
+              <p:ext uri="{386F3935-93C4-4BCD-93E2-E3B085C9AB24}">
+                <p16:designElem xmlns:p16="http://schemas.microsoft.com/office/powerpoint/2015/main" val="1"/>
+              </p:ext>
+            </p:extLst>
+          </p:nvPr>
+        </p:nvSpPr>
+        <p:spPr>
+          <a:xfrm>
+            <a:off x="6831955" y="5346696"/>
+            <a:ext cx="5360045" cy="1511304"/>
+          </a:xfrm>
+          <a:custGeom>
+            <a:avLst/>
+            <a:gdLst>
+              <a:gd name="connsiteX0" fmla="*/ 4545473 w 5360045"/>
+              <a:gd name="connsiteY0" fmla="*/ 0 h 1511304"/>
+              <a:gd name="connsiteX1" fmla="*/ 5360045 w 5360045"/>
+              <a:gd name="connsiteY1" fmla="*/ 0 h 1511304"/>
+              <a:gd name="connsiteX2" fmla="*/ 5360045 w 5360045"/>
+              <a:gd name="connsiteY2" fmla="*/ 1046730 h 1511304"/>
+              <a:gd name="connsiteX3" fmla="*/ 5360045 w 5360045"/>
+              <a:gd name="connsiteY3" fmla="*/ 1508760 h 1511304"/>
+              <a:gd name="connsiteX4" fmla="*/ 5360045 w 5360045"/>
+              <a:gd name="connsiteY4" fmla="*/ 1511304 h 1511304"/>
+              <a:gd name="connsiteX5" fmla="*/ 4545474 w 5360045"/>
+              <a:gd name="connsiteY5" fmla="*/ 1511304 h 1511304"/>
+              <a:gd name="connsiteX6" fmla="*/ 2525897 w 5360045"/>
+              <a:gd name="connsiteY6" fmla="*/ 1511304 h 1511304"/>
+              <a:gd name="connsiteX7" fmla="*/ 0 w 5360045"/>
+              <a:gd name="connsiteY7" fmla="*/ 1511304 h 1511304"/>
+              <a:gd name="connsiteX8" fmla="*/ 697617 w 5360045"/>
+              <a:gd name="connsiteY8" fmla="*/ 3 h 1511304"/>
+              <a:gd name="connsiteX9" fmla="*/ 4545473 w 5360045"/>
+              <a:gd name="connsiteY9" fmla="*/ 3 h 1511304"/>
+            </a:gdLst>
+            <a:ahLst/>
+            <a:cxnLst>
+              <a:cxn ang="0">
+                <a:pos x="connsiteX0" y="connsiteY0"/>
+              </a:cxn>
+              <a:cxn ang="0">
+                <a:pos x="connsiteX1" y="connsiteY1"/>
+              </a:cxn>
+              <a:cxn ang="0">
+                <a:pos x="connsiteX2" y="connsiteY2"/>
+              </a:cxn>
+              <a:cxn ang="0">
+                <a:pos x="connsiteX3" y="connsiteY3"/>
+              </a:cxn>
+              <a:cxn ang="0">
+                <a:pos x="connsiteX4" y="connsiteY4"/>
+              </a:cxn>
+              <a:cxn ang="0">
+                <a:pos x="connsiteX5" y="connsiteY5"/>
+              </a:cxn>
+              <a:cxn ang="0">
+                <a:pos x="connsiteX6" y="connsiteY6"/>
+              </a:cxn>
+              <a:cxn ang="0">
+                <a:pos x="connsiteX7" y="connsiteY7"/>
+              </a:cxn>
+              <a:cxn ang="0">
+                <a:pos x="connsiteX8" y="connsiteY8"/>
+              </a:cxn>
+              <a:cxn ang="0">
+                <a:pos x="connsiteX9" y="connsiteY9"/>
+              </a:cxn>
+            </a:cxnLst>
+            <a:rect l="l" t="t" r="r" b="b"/>
+            <a:pathLst>
+              <a:path w="5360045" h="1511304">
+                <a:moveTo>
+                  <a:pt x="4545473" y="0"/>
+                </a:moveTo>
+                <a:lnTo>
+                  <a:pt x="5360045" y="0"/>
+                </a:lnTo>
+                <a:lnTo>
+                  <a:pt x="5360045" y="1046730"/>
+                </a:lnTo>
+                <a:lnTo>
+                  <a:pt x="5360045" y="1508760"/>
+                </a:lnTo>
+                <a:lnTo>
+                  <a:pt x="5360045" y="1511304"/>
+                </a:lnTo>
+                <a:lnTo>
+                  <a:pt x="4545474" y="1511304"/>
+                </a:lnTo>
+                <a:lnTo>
+                  <a:pt x="2525897" y="1511304"/>
+                </a:lnTo>
+                <a:lnTo>
+                  <a:pt x="0" y="1511304"/>
+                </a:lnTo>
+                <a:lnTo>
+                  <a:pt x="697617" y="3"/>
+                </a:lnTo>
+                <a:lnTo>
+                  <a:pt x="4545473" y="3"/>
+                </a:lnTo>
+                <a:close/>
+              </a:path>
+            </a:pathLst>
+          </a:custGeom>
+          <a:solidFill>
+            <a:srgbClr val="404040">
+              <a:alpha val="84706"/>
+            </a:srgbClr>
+          </a:solidFill>
+          <a:ln>
+            <a:noFill/>
+          </a:ln>
+        </p:spPr>
+        <p:style>
+          <a:lnRef idx="2">
+            <a:schemeClr val="accent1">
+              <a:shade val="50000"/>
+            </a:schemeClr>
+          </a:lnRef>
+          <a:fillRef idx="1">
+            <a:schemeClr val="accent1"/>
+          </a:fillRef>
+          <a:effectRef idx="0">
+            <a:schemeClr val="accent1"/>
+          </a:effectRef>
+          <a:fontRef idx="minor">
+            <a:schemeClr val="lt1"/>
+          </a:fontRef>
+        </p:style>
+        <p:txBody>
+          <a:bodyPr wrap="square" rtlCol="0" anchor="ctr">
+            <a:noAutofit/>
+          </a:bodyPr>
+          <a:lstStyle/>
+          <a:p>
+            <a:pPr algn="ctr"/>
+            <a:endParaRPr lang="en-US"/>
+          </a:p>
+        </p:txBody>
+      </p:sp>
+      <p:sp>
+        <p:nvSpPr>
+          <p:cNvPr id="72" name="Freeform: Shape 71">
+            <a:extLst>
+              <a:ext uri="{FF2B5EF4-FFF2-40B4-BE49-F238E27FC236}">
+                <a16:creationId xmlns:a16="http://schemas.microsoft.com/office/drawing/2014/main" id="{E78C6E4B-A1F1-4B6C-97EC-BE997495D6AC}"/>
+              </a:ext>
+              <a:ext uri="{C183D7F6-B498-43B3-948B-1728B52AA6E4}">
+                <adec:decorative xmlns:adec="http://schemas.microsoft.com/office/drawing/2017/decorative" val="1"/>
+              </a:ext>
+            </a:extLst>
+          </p:cNvPr>
+          <p:cNvSpPr>
+            <a:spLocks noGrp="1" noRot="1" noChangeAspect="1" noMove="1" noResize="1" noEditPoints="1" noAdjustHandles="1" noChangeArrowheads="1" noChangeShapeType="1" noTextEdit="1"/>
+          </p:cNvSpPr>
+          <p:nvPr>
+            <p:extLst>
+              <p:ext uri="{386F3935-93C4-4BCD-93E2-E3B085C9AB24}">
+                <p16:designElem xmlns:p16="http://schemas.microsoft.com/office/powerpoint/2015/main" val="1"/>
+              </p:ext>
+            </p:extLst>
+          </p:nvPr>
+        </p:nvSpPr>
+        <p:spPr>
+          <a:xfrm>
+            <a:off x="0" y="5346694"/>
+            <a:ext cx="7346605" cy="1511306"/>
+          </a:xfrm>
+          <a:custGeom>
+            <a:avLst/>
+            <a:gdLst>
+              <a:gd name="connsiteX0" fmla="*/ 0 w 7346605"/>
+              <a:gd name="connsiteY0" fmla="*/ 0 h 1511306"/>
+              <a:gd name="connsiteX1" fmla="*/ 239486 w 7346605"/>
+              <a:gd name="connsiteY1" fmla="*/ 0 h 1511306"/>
+              <a:gd name="connsiteX2" fmla="*/ 1209568 w 7346605"/>
+              <a:gd name="connsiteY2" fmla="*/ 0 h 1511306"/>
+              <a:gd name="connsiteX3" fmla="*/ 2405743 w 7346605"/>
+              <a:gd name="connsiteY3" fmla="*/ 0 h 1511306"/>
+              <a:gd name="connsiteX4" fmla="*/ 2405743 w 7346605"/>
+              <a:gd name="connsiteY4" fmla="*/ 2544 h 1511306"/>
+              <a:gd name="connsiteX5" fmla="*/ 2801131 w 7346605"/>
+              <a:gd name="connsiteY5" fmla="*/ 2544 h 1511306"/>
+              <a:gd name="connsiteX6" fmla="*/ 2801131 w 7346605"/>
+              <a:gd name="connsiteY6" fmla="*/ 0 h 1511306"/>
+              <a:gd name="connsiteX7" fmla="*/ 7346605 w 7346605"/>
+              <a:gd name="connsiteY7" fmla="*/ 0 h 1511306"/>
+              <a:gd name="connsiteX8" fmla="*/ 6648988 w 7346605"/>
+              <a:gd name="connsiteY8" fmla="*/ 1511301 h 1511306"/>
+              <a:gd name="connsiteX9" fmla="*/ 2801132 w 7346605"/>
+              <a:gd name="connsiteY9" fmla="*/ 1511301 h 1511306"/>
+              <a:gd name="connsiteX10" fmla="*/ 2801132 w 7346605"/>
+              <a:gd name="connsiteY10" fmla="*/ 1511304 h 1511306"/>
+              <a:gd name="connsiteX11" fmla="*/ 2405743 w 7346605"/>
+              <a:gd name="connsiteY11" fmla="*/ 1511304 h 1511306"/>
+              <a:gd name="connsiteX12" fmla="*/ 2405743 w 7346605"/>
+              <a:gd name="connsiteY12" fmla="*/ 1511306 h 1511306"/>
+              <a:gd name="connsiteX13" fmla="*/ 1333411 w 7346605"/>
+              <a:gd name="connsiteY13" fmla="*/ 1511306 h 1511306"/>
+              <a:gd name="connsiteX14" fmla="*/ 1219208 w 7346605"/>
+              <a:gd name="connsiteY14" fmla="*/ 1511306 h 1511306"/>
+              <a:gd name="connsiteX15" fmla="*/ 1209568 w 7346605"/>
+              <a:gd name="connsiteY15" fmla="*/ 1511306 h 1511306"/>
+              <a:gd name="connsiteX16" fmla="*/ 239486 w 7346605"/>
+              <a:gd name="connsiteY16" fmla="*/ 1511306 h 1511306"/>
+              <a:gd name="connsiteX17" fmla="*/ 0 w 7346605"/>
+              <a:gd name="connsiteY17" fmla="*/ 1511306 h 1511306"/>
+            </a:gdLst>
+            <a:ahLst/>
+            <a:cxnLst>
+              <a:cxn ang="0">
+                <a:pos x="connsiteX0" y="connsiteY0"/>
+              </a:cxn>
+              <a:cxn ang="0">
+                <a:pos x="connsiteX1" y="connsiteY1"/>
+              </a:cxn>
+              <a:cxn ang="0">
+                <a:pos x="connsiteX2" y="connsiteY2"/>
+              </a:cxn>
+              <a:cxn ang="0">
+                <a:pos x="connsiteX3" y="connsiteY3"/>
+              </a:cxn>
+              <a:cxn ang="0">
+                <a:pos x="connsiteX4" y="connsiteY4"/>
+              </a:cxn>
+              <a:cxn ang="0">
+                <a:pos x="connsiteX5" y="connsiteY5"/>
+              </a:cxn>
+              <a:cxn ang="0">
+                <a:pos x="connsiteX6" y="connsiteY6"/>
+              </a:cxn>
+              <a:cxn ang="0">
+                <a:pos x="connsiteX7" y="connsiteY7"/>
+              </a:cxn>
+              <a:cxn ang="0">
+                <a:pos x="connsiteX8" y="connsiteY8"/>
+              </a:cxn>
+              <a:cxn ang="0">
+                <a:pos x="connsiteX9" y="connsiteY9"/>
+              </a:cxn>
+              <a:cxn ang="0">
+                <a:pos x="connsiteX10" y="connsiteY10"/>
+              </a:cxn>
+              <a:cxn ang="0">
+                <a:pos x="connsiteX11" y="connsiteY11"/>
+              </a:cxn>
+              <a:cxn ang="0">
+                <a:pos x="connsiteX12" y="connsiteY12"/>
+              </a:cxn>
+              <a:cxn ang="0">
+                <a:pos x="connsiteX13" y="connsiteY13"/>
+              </a:cxn>
+              <a:cxn ang="0">
+                <a:pos x="connsiteX14" y="connsiteY14"/>
+              </a:cxn>
+              <a:cxn ang="0">
+                <a:pos x="connsiteX15" y="connsiteY15"/>
+              </a:cxn>
+              <a:cxn ang="0">
+                <a:pos x="connsiteX16" y="connsiteY16"/>
+              </a:cxn>
+              <a:cxn ang="0">
+                <a:pos x="connsiteX17" y="connsiteY17"/>
+              </a:cxn>
+            </a:cxnLst>
+            <a:rect l="l" t="t" r="r" b="b"/>
+            <a:pathLst>
+              <a:path w="7346605" h="1511306">
+                <a:moveTo>
+                  <a:pt x="0" y="0"/>
+                </a:moveTo>
+                <a:lnTo>
+                  <a:pt x="239486" y="0"/>
+                </a:lnTo>
+                <a:lnTo>
+                  <a:pt x="1209568" y="0"/>
+                </a:lnTo>
+                <a:lnTo>
+                  <a:pt x="2405743" y="0"/>
+                </a:lnTo>
+                <a:lnTo>
+                  <a:pt x="2405743" y="2544"/>
+                </a:lnTo>
+                <a:lnTo>
+                  <a:pt x="2801131" y="2544"/>
+                </a:lnTo>
+                <a:lnTo>
+                  <a:pt x="2801131" y="0"/>
+                </a:lnTo>
+                <a:lnTo>
+                  <a:pt x="7346605" y="0"/>
+                </a:lnTo>
+                <a:lnTo>
+                  <a:pt x="6648988" y="1511301"/>
+                </a:lnTo>
+                <a:lnTo>
+                  <a:pt x="2801132" y="1511301"/>
+                </a:lnTo>
+                <a:lnTo>
+                  <a:pt x="2801132" y="1511304"/>
+                </a:lnTo>
+                <a:lnTo>
+                  <a:pt x="2405743" y="1511304"/>
+                </a:lnTo>
+                <a:lnTo>
+                  <a:pt x="2405743" y="1511306"/>
+                </a:lnTo>
+                <a:lnTo>
+                  <a:pt x="1333411" y="1511306"/>
+                </a:lnTo>
+                <a:lnTo>
+                  <a:pt x="1219208" y="1511306"/>
+                </a:lnTo>
+                <a:lnTo>
+                  <a:pt x="1209568" y="1511306"/>
+                </a:lnTo>
+                <a:lnTo>
+                  <a:pt x="239486" y="1511306"/>
+                </a:lnTo>
+                <a:lnTo>
+                  <a:pt x="0" y="1511306"/>
+                </a:lnTo>
+                <a:close/>
+              </a:path>
+            </a:pathLst>
+          </a:custGeom>
+          <a:solidFill>
+            <a:srgbClr val="D0CECE"/>
+          </a:solidFill>
+          <a:ln>
+            <a:noFill/>
+          </a:ln>
+        </p:spPr>
+        <p:style>
+          <a:lnRef idx="2">
+            <a:schemeClr val="accent1">
+              <a:shade val="50000"/>
+            </a:schemeClr>
+          </a:lnRef>
+          <a:fillRef idx="1">
+            <a:schemeClr val="accent1"/>
+          </a:fillRef>
+          <a:effectRef idx="0">
+            <a:schemeClr val="accent1"/>
+          </a:effectRef>
+          <a:fontRef idx="minor">
+            <a:schemeClr val="lt1"/>
+          </a:fontRef>
+        </p:style>
+        <p:txBody>
+          <a:bodyPr rtlCol="0" anchor="ctr"/>
+          <a:lstStyle/>
+          <a:p>
+            <a:pPr algn="ctr"/>
+            <a:endParaRPr lang="en-US">
+              <a:solidFill>
+                <a:schemeClr val="bg1">
+                  <a:lumMod val="95000"/>
+                </a:schemeClr>
+              </a:solidFill>
+            </a:endParaRPr>
+          </a:p>
+        </p:txBody>
+      </p:sp>
+      <p:sp>
+        <p:nvSpPr>
+          <p:cNvPr id="2" name="Titel 1">
+            <a:extLst>
+              <a:ext uri="{FF2B5EF4-FFF2-40B4-BE49-F238E27FC236}">
+                <a16:creationId xmlns:a16="http://schemas.microsoft.com/office/drawing/2014/main" id="{0C6CC75F-B426-4B2E-994E-C8CCD38E730A}"/>
+              </a:ext>
+            </a:extLst>
+          </p:cNvPr>
+          <p:cNvSpPr>
+            <a:spLocks noGrp="1"/>
+          </p:cNvSpPr>
+          <p:nvPr>
+            <p:ph type="title"/>
+          </p:nvPr>
+        </p:nvSpPr>
+        <p:spPr>
+          <a:xfrm>
+            <a:off x="841249" y="5529884"/>
+            <a:ext cx="5802656" cy="1096331"/>
+          </a:xfrm>
+        </p:spPr>
+        <p:txBody>
+          <a:bodyPr>
+            <a:normAutofit/>
+          </a:bodyPr>
+          <a:lstStyle/>
+          <a:p>
+            <a:r>
+              <a:rPr lang="da-DK" sz="4000">
+                <a:solidFill>
+                  <a:srgbClr val="303030"/>
+                </a:solidFill>
+              </a:rPr>
+              <a:t>COM DLL (object creation)</a:t>
+            </a:r>
+          </a:p>
+        </p:txBody>
+      </p:sp>
+      <p:sp>
+        <p:nvSpPr>
+          <p:cNvPr id="3" name="Pladsholder til indhold 2">
+            <a:extLst>
+              <a:ext uri="{FF2B5EF4-FFF2-40B4-BE49-F238E27FC236}">
+                <a16:creationId xmlns:a16="http://schemas.microsoft.com/office/drawing/2014/main" id="{06150888-1653-44E4-BA77-B3C0860C393F}"/>
+              </a:ext>
+            </a:extLst>
+          </p:cNvPr>
+          <p:cNvSpPr>
+            <a:spLocks noGrp="1"/>
+          </p:cNvSpPr>
+          <p:nvPr>
+            <p:ph idx="1"/>
+          </p:nvPr>
+        </p:nvSpPr>
+        <p:spPr>
+          <a:xfrm>
+            <a:off x="841248" y="731520"/>
+            <a:ext cx="5802657" cy="4254137"/>
+          </a:xfrm>
+        </p:spPr>
+        <p:txBody>
+          <a:bodyPr anchor="ctr">
+            <a:normAutofit/>
+          </a:bodyPr>
+          <a:lstStyle/>
+          <a:p>
+            <a:r>
+              <a:rPr lang="en-US" sz="1600" dirty="0"/>
+              <a:t>HOW A CLIENT USES A DLL WITH A COM(Component Object Model)</a:t>
+            </a:r>
+          </a:p>
+          <a:p>
+            <a:pPr marL="514350" indent="-514350" fontAlgn="ctr">
+              <a:buFont typeface="+mj-lt"/>
+              <a:buAutoNum type="arabicPeriod"/>
+            </a:pPr>
+            <a:r>
+              <a:rPr lang="en-US" sz="1600" dirty="0"/>
+              <a:t>Client(exe) calls </a:t>
+            </a:r>
+            <a:r>
+              <a:rPr lang="en-US" sz="1600" dirty="0" err="1"/>
+              <a:t>COGetClassObject</a:t>
+            </a:r>
+            <a:endParaRPr lang="en-US" sz="1600" dirty="0"/>
+          </a:p>
+          <a:p>
+            <a:pPr marL="514350" indent="-514350" fontAlgn="ctr">
+              <a:buFont typeface="+mj-lt"/>
+              <a:buAutoNum type="arabicPeriod"/>
+            </a:pPr>
+            <a:r>
+              <a:rPr lang="en-US" sz="1600" dirty="0" err="1"/>
+              <a:t>CoLoadLibrary</a:t>
+            </a:r>
+            <a:r>
+              <a:rPr lang="en-US" sz="1600" dirty="0"/>
+              <a:t> Loads the whole DLL</a:t>
+            </a:r>
+          </a:p>
+          <a:p>
+            <a:pPr marL="514350" indent="-514350" fontAlgn="ctr">
+              <a:buFont typeface="+mj-lt"/>
+              <a:buAutoNum type="arabicPeriod"/>
+            </a:pPr>
+            <a:r>
+              <a:rPr lang="en-US" sz="1600" dirty="0" err="1"/>
+              <a:t>GetProcAddress</a:t>
+            </a:r>
+            <a:r>
+              <a:rPr lang="en-US" sz="1600" dirty="0"/>
+              <a:t> to get DLL class object, that initiates step 4 </a:t>
+            </a:r>
+          </a:p>
+          <a:p>
+            <a:pPr marL="514350" indent="-514350" fontAlgn="ctr">
+              <a:buFont typeface="+mj-lt"/>
+              <a:buAutoNum type="arabicPeriod"/>
+            </a:pPr>
+            <a:r>
+              <a:rPr lang="en-US" sz="1600" dirty="0"/>
+              <a:t>Creates class factory, so that an object can be created</a:t>
+            </a:r>
+          </a:p>
+          <a:p>
+            <a:pPr marL="514350" indent="-514350" fontAlgn="ctr">
+              <a:buFont typeface="+mj-lt"/>
+              <a:buAutoNum type="arabicPeriod"/>
+            </a:pPr>
+            <a:r>
+              <a:rPr lang="en-US" sz="1600" dirty="0"/>
+              <a:t>Class factory interface is returned to COM</a:t>
+            </a:r>
+          </a:p>
+          <a:p>
+            <a:pPr marL="514350" indent="-514350" fontAlgn="ctr">
+              <a:buFont typeface="+mj-lt"/>
+              <a:buAutoNum type="arabicPeriod"/>
+            </a:pPr>
+            <a:r>
+              <a:rPr lang="en-US" sz="1600" dirty="0"/>
+              <a:t>Pointer of </a:t>
+            </a:r>
+            <a:r>
+              <a:rPr lang="en-US" sz="1600" dirty="0" err="1"/>
+              <a:t>factoryclass</a:t>
+            </a:r>
+            <a:r>
+              <a:rPr lang="en-US" sz="1600" dirty="0"/>
+              <a:t> that spawns the DLL object  is returned to client</a:t>
+            </a:r>
+          </a:p>
+          <a:p>
+            <a:pPr marL="514350" indent="-514350" fontAlgn="ctr">
+              <a:buFont typeface="+mj-lt"/>
+              <a:buAutoNum type="arabicPeriod"/>
+            </a:pPr>
+            <a:r>
+              <a:rPr lang="en-US" sz="1600" dirty="0"/>
+              <a:t>Create instance spawns a class factory</a:t>
+            </a:r>
+          </a:p>
+          <a:p>
+            <a:pPr marL="514350" indent="-514350" fontAlgn="ctr">
+              <a:buFont typeface="+mj-lt"/>
+              <a:buAutoNum type="arabicPeriod"/>
+            </a:pPr>
+            <a:r>
+              <a:rPr lang="en-US" sz="1600" dirty="0"/>
+              <a:t>Object is created</a:t>
+            </a:r>
+          </a:p>
+          <a:p>
+            <a:pPr marL="514350" indent="-514350" fontAlgn="ctr">
+              <a:buFont typeface="+mj-lt"/>
+              <a:buAutoNum type="arabicPeriod"/>
+            </a:pPr>
+            <a:r>
+              <a:rPr lang="en-US" sz="1600" dirty="0"/>
+              <a:t>Pointer returned </a:t>
+            </a:r>
+          </a:p>
+          <a:p>
+            <a:pPr marL="514350" indent="-514350" fontAlgn="ctr">
+              <a:buFont typeface="+mj-lt"/>
+              <a:buAutoNum type="arabicPeriod"/>
+            </a:pPr>
+            <a:r>
+              <a:rPr lang="en-US" sz="1600" dirty="0"/>
+              <a:t>Client uses Object interface successfully</a:t>
+            </a:r>
+          </a:p>
+          <a:p>
+            <a:endParaRPr lang="da-DK" sz="1600" dirty="0"/>
+          </a:p>
+        </p:txBody>
+      </p:sp>
+      <p:pic>
+        <p:nvPicPr>
+          <p:cNvPr id="1025" name="Picture 1" descr="Creation sequence of an object from a COM DLL serve &#10;I &#10;6 &#10;Client &#10;Call CoGetClassObject &#10;Call Createlnstance &#10;Use object &#10;COM &#10;CoGetClassObject &#10;Object &#10;Interfaces &#10;10 &#10;7 &#10;9 &#10;Look up Class in regDB &#10;ICIassFactory &#10;Look up DLL in regDB &#10;CoLoadLibrary on DLL &#10;GetProcAddress on &#10;DilGetC1assObject &#10;Return class factory &#10;pointer to user &#10;2 &#10;3 &#10;5 &#10;DLL &#10;Object &#10;8 &#10;Class Factory: &#10;Creates Object &#10;4 &#10;DllGetClassObject &#10;Create class factory &#10;Return ICIassFactory ">
+            <a:extLst>
+              <a:ext uri="{FF2B5EF4-FFF2-40B4-BE49-F238E27FC236}">
+                <a16:creationId xmlns:a16="http://schemas.microsoft.com/office/drawing/2014/main" id="{73420442-EDF1-4F26-9D29-1B4149788270}"/>
+              </a:ext>
+            </a:extLst>
+          </p:cNvPr>
+          <p:cNvPicPr>
+            <a:picLocks noChangeAspect="1" noChangeArrowheads="1"/>
+          </p:cNvPicPr>
+          <p:nvPr/>
+        </p:nvPicPr>
+        <p:blipFill>
+          <a:blip r:embed="rId2">
+            <a:extLst>
+              <a:ext uri="{28A0092B-C50C-407E-A947-70E740481C1C}">
+                <a14:useLocalDpi xmlns:a14="http://schemas.microsoft.com/office/drawing/2010/main" val="0"/>
+              </a:ext>
+            </a:extLst>
+          </a:blip>
+          <a:stretch>
+            <a:fillRect/>
+          </a:stretch>
+        </p:blipFill>
+        <p:spPr bwMode="auto">
+          <a:xfrm>
+            <a:off x="7534654" y="1279310"/>
+            <a:ext cx="4008102" cy="3156380"/>
+          </a:xfrm>
+          <a:prstGeom prst="rect">
+            <a:avLst/>
+          </a:prstGeom>
+          <a:noFill/>
+          <a:extLst>
+            <a:ext uri="{909E8E84-426E-40DD-AFC4-6F175D3DCCD1}">
+              <a14:hiddenFill xmlns:a14="http://schemas.microsoft.com/office/drawing/2010/main">
+                <a:solidFill>
+                  <a:srgbClr val="FFFFFF"/>
+                </a:solidFill>
+              </a14:hiddenFill>
+            </a:ext>
+          </a:extLst>
+        </p:spPr>
+      </p:pic>
+      <p:sp>
+        <p:nvSpPr>
+          <p:cNvPr id="4" name="TextBox 3">
+            <a:extLst>
+              <a:ext uri="{FF2B5EF4-FFF2-40B4-BE49-F238E27FC236}">
+                <a16:creationId xmlns:a16="http://schemas.microsoft.com/office/drawing/2014/main" id="{677A9992-4426-46F0-BD44-822047F30458}"/>
+              </a:ext>
+            </a:extLst>
+          </p:cNvPr>
+          <p:cNvSpPr txBox="1"/>
+          <p:nvPr/>
+        </p:nvSpPr>
+        <p:spPr>
+          <a:xfrm>
+            <a:off x="7534654" y="4350961"/>
+            <a:ext cx="4008102" cy="315638"/>
+          </a:xfrm>
+          <a:prstGeom prst="rect">
+            <a:avLst/>
+          </a:prstGeom>
+          <a:solidFill>
+            <a:srgbClr val="000000">
+              <a:alpha val="50000"/>
+            </a:srgbClr>
+          </a:solidFill>
+          <a:ln>
+            <a:noFill/>
+          </a:ln>
+        </p:spPr>
+        <p:txBody>
+          <a:bodyPr wrap="square" rtlCol="0">
+            <a:noAutofit/>
+          </a:bodyPr>
+          <a:lstStyle/>
+          <a:p>
+            <a:pPr algn="ctr">
+              <a:spcAft>
+                <a:spcPts val="600"/>
+              </a:spcAft>
+            </a:pPr>
+            <a:r>
+              <a:rPr lang="da-DK" sz="1300">
+                <a:solidFill>
+                  <a:srgbClr val="FFFFFF"/>
+                </a:solidFill>
+              </a:rPr>
+              <a:t>Kilde: Lektions Slides</a:t>
+            </a:r>
+          </a:p>
+        </p:txBody>
+      </p:sp>
+    </p:spTree>
+    <p:extLst>
+      <p:ext uri="{BB962C8B-B14F-4D97-AF65-F5344CB8AC3E}">
+        <p14:creationId xmlns:p14="http://schemas.microsoft.com/office/powerpoint/2010/main" val="3855326667"/>
+      </p:ext>
+    </p:extLst>
+  </p:cSld>
+  <p:clrMapOvr>
+    <a:masterClrMapping/>
+  </p:clrMapOvr>
+</p:sld>
+</file>
+
+<file path=ppt/slides/slide12.xml><?xml version="1.0" encoding="utf-8"?>
 <p:sld xmlns:a="http://schemas.openxmlformats.org/drawingml/2006/main" xmlns:r="http://schemas.openxmlformats.org/officeDocument/2006/relationships" xmlns:p="http://schemas.openxmlformats.org/presentationml/2006/main">
   <p:cSld>
     <p:bg>

--- a/Presentations/2_CPP_DLL.pptx
+++ b/Presentations/2_CPP_DLL.pptx
@@ -10558,15 +10558,7 @@
             </a:r>
             <a:r>
               <a:rPr lang="en-US" sz="2000" dirty="0"/>
-              <a:t> EXE fil I </a:t>
-            </a:r>
-            <a:r>
-              <a:rPr lang="en-US" sz="2000" dirty="0" err="1"/>
-              <a:t>lille</a:t>
-            </a:r>
-            <a:r>
-              <a:rPr lang="en-US" sz="2000" dirty="0"/>
-              <a:t> exe </a:t>
+              <a:t> EXE fil I exe </a:t>
             </a:r>
             <a:r>
               <a:rPr lang="en-US" sz="2000" dirty="0" err="1"/>
@@ -10609,7 +10601,15 @@
             </a:r>
             <a:r>
               <a:rPr lang="en-US" sz="2000" dirty="0"/>
-              <a:t> processor burger </a:t>
+              <a:t> processor </a:t>
+            </a:r>
+            <a:r>
+              <a:rPr lang="en-US" sz="2000" dirty="0" err="1"/>
+              <a:t>bruger</a:t>
+            </a:r>
+            <a:r>
+              <a:rPr lang="en-US" sz="2000" dirty="0"/>
+              <a:t> </a:t>
             </a:r>
             <a:r>
               <a:rPr lang="en-US" sz="2000" dirty="0" err="1"/>
@@ -12638,21 +12638,74 @@
           <a:lstStyle/>
           <a:p>
             <a:r>
-              <a:rPr lang="en-GB" sz="2000"/>
+              <a:rPr lang="en-GB" sz="2000" dirty="0"/>
               <a:t>I C-style</a:t>
             </a:r>
           </a:p>
           <a:p>
             <a:r>
-              <a:rPr lang="en-GB" sz="2000"/>
-              <a:t>2 metoder at kalde en DLL funktionpå</a:t>
-            </a:r>
+              <a:rPr lang="en-GB" sz="2000" dirty="0"/>
+              <a:t>2 </a:t>
+            </a:r>
+            <a:r>
+              <a:rPr lang="en-GB" sz="2000" dirty="0" err="1"/>
+              <a:t>metoder</a:t>
+            </a:r>
+            <a:r>
+              <a:rPr lang="en-GB" sz="2000" dirty="0"/>
+              <a:t> at </a:t>
+            </a:r>
+            <a:r>
+              <a:rPr lang="en-GB" sz="2000" dirty="0" err="1"/>
+              <a:t>kalde</a:t>
+            </a:r>
+            <a:r>
+              <a:rPr lang="en-GB" sz="2000" dirty="0"/>
+              <a:t> </a:t>
+            </a:r>
+            <a:r>
+              <a:rPr lang="en-GB" sz="2000" dirty="0" err="1"/>
+              <a:t>en</a:t>
+            </a:r>
+            <a:r>
+              <a:rPr lang="en-GB" sz="2000" dirty="0"/>
+              <a:t> DLL </a:t>
+            </a:r>
+            <a:r>
+              <a:rPr lang="en-GB" sz="2000" dirty="0" err="1"/>
+              <a:t>funktionpå</a:t>
+            </a:r>
+            <a:endParaRPr lang="en-GB" sz="2000" dirty="0"/>
           </a:p>
           <a:p>
             <a:pPr lvl="1"/>
             <a:r>
-              <a:rPr lang="da-DK" sz="2000"/>
-              <a:t>Load-time dynamic linking(implicit linking)</a:t>
+              <a:rPr lang="da-DK" sz="2000" dirty="0"/>
+              <a:t>Load-time </a:t>
+            </a:r>
+            <a:r>
+              <a:rPr lang="da-DK" sz="2000" dirty="0" err="1"/>
+              <a:t>dynamic</a:t>
+            </a:r>
+            <a:r>
+              <a:rPr lang="da-DK" sz="2000" dirty="0"/>
+              <a:t> </a:t>
+            </a:r>
+            <a:r>
+              <a:rPr lang="da-DK" sz="2000" dirty="0" err="1"/>
+              <a:t>linking</a:t>
+            </a:r>
+            <a:r>
+              <a:rPr lang="da-DK" sz="2000" dirty="0"/>
+              <a:t>(implicit </a:t>
+            </a:r>
+            <a:r>
+              <a:rPr lang="da-DK" sz="2000" dirty="0" err="1"/>
+              <a:t>linking</a:t>
+            </a:r>
+            <a:r>
+              <a:rPr lang="da-DK" sz="2000" dirty="0"/>
+              <a:t>)</a:t>
             </a:r>
           </a:p>
           <a:p>
@@ -12669,7 +12722,7 @@
               <a:t>Kræver en reference til </a:t>
             </a:r>
             <a:r>
-              <a:rPr lang="da-DK"/>
+              <a:rPr lang="da-DK" dirty="0" err="1"/>
               <a:t>DLL’ens</a:t>
             </a:r>
             <a:r>
@@ -12677,7 +12730,7 @@
               <a:t> .</a:t>
             </a:r>
             <a:r>
-              <a:rPr lang="da-DK"/>
+              <a:rPr lang="da-DK" dirty="0" err="1"/>
               <a:t>lib</a:t>
             </a:r>
             <a:r>
@@ -12688,14 +12741,46 @@
           <a:p>
             <a:pPr lvl="1"/>
             <a:r>
-              <a:rPr lang="da-DK" sz="2000"/>
-              <a:t>Run-Time dynamic Linking (explicit linking)</a:t>
+              <a:rPr lang="da-DK" sz="2000" dirty="0"/>
+              <a:t>Run-Time </a:t>
+            </a:r>
+            <a:r>
+              <a:rPr lang="da-DK" sz="2000" dirty="0" err="1"/>
+              <a:t>dynamic</a:t>
+            </a:r>
+            <a:r>
+              <a:rPr lang="da-DK" sz="2000" dirty="0"/>
+              <a:t> </a:t>
+            </a:r>
+            <a:r>
+              <a:rPr lang="da-DK" sz="2000" dirty="0" err="1"/>
+              <a:t>Linking</a:t>
+            </a:r>
+            <a:r>
+              <a:rPr lang="da-DK" sz="2000" dirty="0"/>
+              <a:t> (</a:t>
+            </a:r>
+            <a:r>
+              <a:rPr lang="da-DK" sz="2000" dirty="0" err="1"/>
+              <a:t>explicit</a:t>
+            </a:r>
+            <a:r>
+              <a:rPr lang="da-DK" sz="2000" dirty="0"/>
+              <a:t> </a:t>
+            </a:r>
+            <a:r>
+              <a:rPr lang="da-DK" sz="2000" dirty="0" err="1"/>
+              <a:t>linking</a:t>
+            </a:r>
+            <a:r>
+              <a:rPr lang="da-DK" sz="2000" dirty="0"/>
+              <a:t>)</a:t>
             </a:r>
           </a:p>
           <a:p>
             <a:pPr lvl="2"/>
             <a:r>
-              <a:rPr lang="da-DK"/>
+              <a:rPr lang="da-DK" dirty="0" err="1"/>
               <a:t>LoadLibrary</a:t>
             </a:r>
             <a:r>
@@ -12703,7 +12788,7 @@
               <a:t> funktion bruges til at load </a:t>
             </a:r>
             <a:r>
-              <a:rPr lang="da-DK"/>
+              <a:rPr lang="da-DK" dirty="0" err="1"/>
               <a:t>DLL’en</a:t>
             </a:r>
             <a:r>
@@ -12711,7 +12796,7 @@
               <a:t> ved </a:t>
             </a:r>
             <a:r>
-              <a:rPr lang="da-DK"/>
+              <a:rPr lang="da-DK" dirty="0" err="1"/>
               <a:t>run-time</a:t>
             </a:r>
             <a:endParaRPr lang="da-DK" dirty="0"/>
@@ -12720,57 +12805,49 @@
             <a:pPr lvl="2"/>
             <a:r>
               <a:rPr lang="da-DK" dirty="0"/>
-              <a:t>Modulet kalder </a:t>
-            </a:r>
-            <a:r>
-              <a:rPr lang="da-DK"/>
-              <a:t>funtionen</a:t>
+              <a:t>Modulet kalder funktionen </a:t>
+            </a:r>
+            <a:r>
+              <a:rPr lang="da-DK" dirty="0" err="1"/>
+              <a:t>GetProcAddress</a:t>
+            </a:r>
+            <a:r>
+              <a:rPr lang="da-DK" dirty="0"/>
+              <a:t>, og får en reference til </a:t>
+            </a:r>
+            <a:r>
+              <a:rPr lang="da-DK" dirty="0" err="1"/>
+              <a:t>DLL’en</a:t>
+            </a:r>
+            <a:endParaRPr lang="da-DK" dirty="0"/>
+          </a:p>
+          <a:p>
+            <a:pPr lvl="2"/>
+            <a:r>
+              <a:rPr lang="da-DK" dirty="0"/>
+              <a:t>DLL funktioner kaldes ud fra referencen</a:t>
+            </a:r>
+          </a:p>
+          <a:p>
+            <a:pPr lvl="2"/>
+            <a:r>
+              <a:rPr lang="da-DK" dirty="0" err="1"/>
+              <a:t>Freelibrary</a:t>
+            </a:r>
+            <a:r>
+              <a:rPr lang="da-DK" dirty="0"/>
+              <a:t> funktion bruges til at </a:t>
+            </a:r>
+            <a:r>
+              <a:rPr lang="da-DK" dirty="0" err="1"/>
+              <a:t>unload</a:t>
             </a:r>
             <a:r>
               <a:rPr lang="da-DK" dirty="0"/>
               <a:t> </a:t>
             </a:r>
             <a:r>
-              <a:rPr lang="da-DK"/>
-              <a:t>GetProcAddress</a:t>
-            </a:r>
-            <a:r>
-              <a:rPr lang="da-DK" dirty="0"/>
-              <a:t>, og får en reference til </a:t>
-            </a:r>
-            <a:r>
-              <a:rPr lang="da-DK"/>
-              <a:t>DLL’en</a:t>
-            </a:r>
-            <a:endParaRPr lang="da-DK" dirty="0"/>
-          </a:p>
-          <a:p>
-            <a:pPr lvl="2"/>
-            <a:r>
-              <a:rPr lang="da-DK" dirty="0"/>
-              <a:t>DLL funktioner kaldes ud fra referencen</a:t>
-            </a:r>
-          </a:p>
-          <a:p>
-            <a:pPr lvl="2"/>
-            <a:r>
-              <a:rPr lang="da-DK"/>
-              <a:t>Freelibrary</a:t>
-            </a:r>
-            <a:r>
-              <a:rPr lang="da-DK" dirty="0"/>
-              <a:t> funktion bruges til at </a:t>
-            </a:r>
-            <a:r>
-              <a:rPr lang="da-DK"/>
-              <a:t>unload</a:t>
-            </a:r>
-            <a:r>
-              <a:rPr lang="da-DK" dirty="0"/>
-              <a:t> </a:t>
-            </a:r>
-            <a:r>
-              <a:rPr lang="da-DK"/>
+              <a:rPr lang="da-DK" dirty="0" err="1"/>
               <a:t>DLL’en</a:t>
             </a:r>
             <a:r>
@@ -12778,7 +12855,7 @@
               <a:t> fra </a:t>
             </a:r>
             <a:r>
-              <a:rPr lang="da-DK"/>
+              <a:rPr lang="da-DK" dirty="0" err="1"/>
               <a:t>memory</a:t>
             </a:r>
             <a:endParaRPr lang="da-DK" dirty="0"/>

--- a/Presentations/2_CPP_DLL.pptx
+++ b/Presentations/2_CPP_DLL.pptx
@@ -265,7 +265,7 @@
           <a:p>
             <a:fld id="{477EB860-629F-4075-AAE7-BB6DCDDAED9C}" type="datetimeFigureOut">
               <a:rPr lang="da-DK" smtClean="0"/>
-              <a:t>17-08-2020</a:t>
+              <a:t>18-08-2020</a:t>
             </a:fld>
             <a:endParaRPr lang="da-DK"/>
           </a:p>
@@ -937,7 +937,7 @@
           <a:p>
             <a:fld id="{E921C88C-E74F-4F83-8559-C2ED0921D0AE}" type="datetimeFigureOut">
               <a:rPr lang="da-DK" smtClean="0"/>
-              <a:t>17-08-2020</a:t>
+              <a:t>18-08-2020</a:t>
             </a:fld>
             <a:endParaRPr lang="da-DK"/>
           </a:p>
@@ -1135,7 +1135,7 @@
           <a:p>
             <a:fld id="{E921C88C-E74F-4F83-8559-C2ED0921D0AE}" type="datetimeFigureOut">
               <a:rPr lang="da-DK" smtClean="0"/>
-              <a:t>17-08-2020</a:t>
+              <a:t>18-08-2020</a:t>
             </a:fld>
             <a:endParaRPr lang="da-DK"/>
           </a:p>
@@ -1343,7 +1343,7 @@
           <a:p>
             <a:fld id="{E921C88C-E74F-4F83-8559-C2ED0921D0AE}" type="datetimeFigureOut">
               <a:rPr lang="da-DK" smtClean="0"/>
-              <a:t>17-08-2020</a:t>
+              <a:t>18-08-2020</a:t>
             </a:fld>
             <a:endParaRPr lang="da-DK"/>
           </a:p>
@@ -1541,7 +1541,7 @@
           <a:p>
             <a:fld id="{E921C88C-E74F-4F83-8559-C2ED0921D0AE}" type="datetimeFigureOut">
               <a:rPr lang="da-DK" smtClean="0"/>
-              <a:t>17-08-2020</a:t>
+              <a:t>18-08-2020</a:t>
             </a:fld>
             <a:endParaRPr lang="da-DK"/>
           </a:p>
@@ -1816,7 +1816,7 @@
           <a:p>
             <a:fld id="{E921C88C-E74F-4F83-8559-C2ED0921D0AE}" type="datetimeFigureOut">
               <a:rPr lang="da-DK" smtClean="0"/>
-              <a:t>17-08-2020</a:t>
+              <a:t>18-08-2020</a:t>
             </a:fld>
             <a:endParaRPr lang="da-DK"/>
           </a:p>
@@ -2081,7 +2081,7 @@
           <a:p>
             <a:fld id="{E921C88C-E74F-4F83-8559-C2ED0921D0AE}" type="datetimeFigureOut">
               <a:rPr lang="da-DK" smtClean="0"/>
-              <a:t>17-08-2020</a:t>
+              <a:t>18-08-2020</a:t>
             </a:fld>
             <a:endParaRPr lang="da-DK"/>
           </a:p>
@@ -2493,7 +2493,7 @@
           <a:p>
             <a:fld id="{E921C88C-E74F-4F83-8559-C2ED0921D0AE}" type="datetimeFigureOut">
               <a:rPr lang="da-DK" smtClean="0"/>
-              <a:t>17-08-2020</a:t>
+              <a:t>18-08-2020</a:t>
             </a:fld>
             <a:endParaRPr lang="da-DK"/>
           </a:p>
@@ -2634,7 +2634,7 @@
           <a:p>
             <a:fld id="{E921C88C-E74F-4F83-8559-C2ED0921D0AE}" type="datetimeFigureOut">
               <a:rPr lang="da-DK" smtClean="0"/>
-              <a:t>17-08-2020</a:t>
+              <a:t>18-08-2020</a:t>
             </a:fld>
             <a:endParaRPr lang="da-DK"/>
           </a:p>
@@ -2747,7 +2747,7 @@
           <a:p>
             <a:fld id="{E921C88C-E74F-4F83-8559-C2ED0921D0AE}" type="datetimeFigureOut">
               <a:rPr lang="da-DK" smtClean="0"/>
-              <a:t>17-08-2020</a:t>
+              <a:t>18-08-2020</a:t>
             </a:fld>
             <a:endParaRPr lang="da-DK"/>
           </a:p>
@@ -3058,7 +3058,7 @@
           <a:p>
             <a:fld id="{E921C88C-E74F-4F83-8559-C2ED0921D0AE}" type="datetimeFigureOut">
               <a:rPr lang="da-DK" smtClean="0"/>
-              <a:t>17-08-2020</a:t>
+              <a:t>18-08-2020</a:t>
             </a:fld>
             <a:endParaRPr lang="da-DK"/>
           </a:p>
@@ -3346,7 +3346,7 @@
           <a:p>
             <a:fld id="{E921C88C-E74F-4F83-8559-C2ED0921D0AE}" type="datetimeFigureOut">
               <a:rPr lang="da-DK" smtClean="0"/>
-              <a:t>17-08-2020</a:t>
+              <a:t>18-08-2020</a:t>
             </a:fld>
             <a:endParaRPr lang="da-DK"/>
           </a:p>
@@ -3587,7 +3587,7 @@
           <a:p>
             <a:fld id="{E921C88C-E74F-4F83-8559-C2ED0921D0AE}" type="datetimeFigureOut">
               <a:rPr lang="da-DK" smtClean="0"/>
-              <a:t>17-08-2020</a:t>
+              <a:t>18-08-2020</a:t>
             </a:fld>
             <a:endParaRPr lang="da-DK"/>
           </a:p>
@@ -4738,6 +4738,76 @@
           <a:p>
             <a:pPr algn="ctr"/>
             <a:endParaRPr lang="en-US"/>
+          </a:p>
+        </p:txBody>
+      </p:sp>
+      <p:sp>
+        <p:nvSpPr>
+          <p:cNvPr id="4" name="Tekstfelt 3">
+            <a:extLst>
+              <a:ext uri="{FF2B5EF4-FFF2-40B4-BE49-F238E27FC236}">
+                <a16:creationId xmlns:a16="http://schemas.microsoft.com/office/drawing/2014/main" id="{E980D2E4-5F2A-478A-949F-EBB523915E4F}"/>
+              </a:ext>
+            </a:extLst>
+          </p:cNvPr>
+          <p:cNvSpPr txBox="1"/>
+          <p:nvPr/>
+        </p:nvSpPr>
+        <p:spPr>
+          <a:xfrm>
+            <a:off x="8644919" y="213064"/>
+            <a:ext cx="1884106" cy="369332"/>
+          </a:xfrm>
+          <a:prstGeom prst="rect">
+            <a:avLst/>
+          </a:prstGeom>
+          <a:noFill/>
+        </p:spPr>
+        <p:txBody>
+          <a:bodyPr wrap="none" rtlCol="0">
+            <a:spAutoFit/>
+          </a:bodyPr>
+          <a:lstStyle/>
+          <a:p>
+            <a:r>
+              <a:rPr lang="da-DK" dirty="0"/>
+              <a:t>Andreas Blaabjerg</a:t>
+            </a:r>
+          </a:p>
+        </p:txBody>
+      </p:sp>
+      <p:sp>
+        <p:nvSpPr>
+          <p:cNvPr id="5" name="Tekstfelt 4">
+            <a:extLst>
+              <a:ext uri="{FF2B5EF4-FFF2-40B4-BE49-F238E27FC236}">
+                <a16:creationId xmlns:a16="http://schemas.microsoft.com/office/drawing/2014/main" id="{883028A5-0D1B-4A2A-AD34-1D94785DD925}"/>
+              </a:ext>
+            </a:extLst>
+          </p:cNvPr>
+          <p:cNvSpPr txBox="1"/>
+          <p:nvPr/>
+        </p:nvSpPr>
+        <p:spPr>
+          <a:xfrm>
+            <a:off x="9586972" y="610794"/>
+            <a:ext cx="1237839" cy="369332"/>
+          </a:xfrm>
+          <a:prstGeom prst="rect">
+            <a:avLst/>
+          </a:prstGeom>
+          <a:noFill/>
+        </p:spPr>
+        <p:txBody>
+          <a:bodyPr wrap="none" rtlCol="0">
+            <a:spAutoFit/>
+          </a:bodyPr>
+          <a:lstStyle/>
+          <a:p>
+            <a:r>
+              <a:rPr lang="da-DK" dirty="0"/>
+              <a:t>201510924</a:t>
+            </a:r>
           </a:p>
         </p:txBody>
       </p:sp>
